--- a/김우철/2차프로젝트_기능구상.pptx
+++ b/김우철/2차프로젝트_기능구상.pptx
@@ -1,20 +1,20 @@
 
 <file path=ppt/presentation.xml><?xml version="1.0" encoding="utf-8"?>
-<p:presentation xmlns:r="http://schemas.openxmlformats.org/officeDocument/2006/relationships" xmlns:c="http://schemas.openxmlformats.org/drawingml/2006/chart" xmlns:a="http://schemas.openxmlformats.org/drawingml/2006/main" xmlns:dgm="http://schemas.openxmlformats.org/drawingml/2006/diagram" xmlns:dsp="http://schemas.microsoft.com/office/drawing/2008/diagram" xmlns:p="http://schemas.openxmlformats.org/presentationml/2006/main" saveSubsetFonts="1">
+<p:presentation xmlns:a="http://schemas.openxmlformats.org/drawingml/2006/main" xmlns:r="http://schemas.openxmlformats.org/officeDocument/2006/relationships" xmlns:p="http://schemas.openxmlformats.org/presentationml/2006/main" saveSubsetFonts="1">
   <p:sldMasterIdLst>
-    <p:sldMasterId id="2147483812" r:id="rId10"/>
+    <p:sldMasterId id="2147483812" r:id="rId1"/>
   </p:sldMasterIdLst>
   <p:notesMasterIdLst>
-    <p:notesMasterId r:id="rId12"/>
+    <p:notesMasterId r:id="rId9"/>
   </p:notesMasterIdLst>
   <p:sldIdLst>
-    <p:sldId id="257" r:id="rId1"/>
-    <p:sldId id="258" r:id="rId2"/>
-    <p:sldId id="259" r:id="rId3"/>
-    <p:sldId id="260" r:id="rId4"/>
-    <p:sldId id="261" r:id="rId5"/>
-    <p:sldId id="262" r:id="rId6"/>
-    <p:sldId id="263" r:id="rId7"/>
+    <p:sldId id="257" r:id="rId2"/>
+    <p:sldId id="258" r:id="rId3"/>
+    <p:sldId id="259" r:id="rId4"/>
+    <p:sldId id="260" r:id="rId5"/>
+    <p:sldId id="261" r:id="rId6"/>
+    <p:sldId id="262" r:id="rId7"/>
+    <p:sldId id="263" r:id="rId8"/>
   </p:sldIdLst>
   <p:sldSz cx="9144000" cy="6858000" type="screen4x3"/>
   <p:notesSz cx="6858000" cy="9144000"/>
@@ -113,11 +113,27 @@
       </a:defRPr>
     </a:lvl9pPr>
   </p:defaultTextStyle>
+  <p:extLst>
+    <p:ext uri="{EFAFB233-063F-42B5-8137-9DF3F51BA10A}">
+      <p15:sldGuideLst xmlns:p15="http://schemas.microsoft.com/office/powerpoint/2012/main">
+        <p15:guide id="1" orient="horz" pos="2158">
+          <p15:clr>
+            <a:srgbClr val="A4A3A4"/>
+          </p15:clr>
+        </p15:guide>
+        <p15:guide id="2" pos="2878">
+          <p15:clr>
+            <a:srgbClr val="A4A3A4"/>
+          </p15:clr>
+        </p15:guide>
+      </p15:sldGuideLst>
+    </p:ext>
+  </p:extLst>
 </p:presentation>
 </file>
 
 <file path=ppt/notesMasters/notesMaster1.xml><?xml version="1.0" encoding="utf-8"?>
-<p:notesMaster xmlns:r="http://schemas.openxmlformats.org/officeDocument/2006/relationships" xmlns:c="http://schemas.openxmlformats.org/drawingml/2006/chart" xmlns:a="http://schemas.openxmlformats.org/drawingml/2006/main" xmlns:dgm="http://schemas.openxmlformats.org/drawingml/2006/diagram" xmlns:dsp="http://schemas.microsoft.com/office/drawing/2008/diagram" xmlns:p="http://schemas.openxmlformats.org/presentationml/2006/main">
+<p:notesMaster xmlns:a="http://schemas.openxmlformats.org/drawingml/2006/main" xmlns:r="http://schemas.openxmlformats.org/officeDocument/2006/relationships" xmlns:p="http://schemas.openxmlformats.org/presentationml/2006/main">
   <p:cSld>
     <p:bg>
       <p:bgRef idx="1001">
@@ -145,7 +161,7 @@
             <a:spLocks noGrp="1"/>
           </p:cNvSpPr>
           <p:nvPr>
-            <p:ph type="hdr" sz="quarter" idx="0"/>
+            <p:ph type="hdr" sz="quarter"/>
           </p:nvPr>
         </p:nvSpPr>
         <p:spPr>
@@ -165,11 +181,6 @@
             </a:lvl1pPr>
           </a:lstStyle>
           <a:p>
-            <a:pPr/>
-            <a:r>
-              <a:rPr lang="ko-KR" altLang="en-US"/>
-              <a:t/>
-            </a:r>
             <a:endParaRPr lang="ko-KR" altLang="en-US"/>
           </a:p>
         </p:txBody>
@@ -201,7 +212,6 @@
             </a:lvl1pPr>
           </a:lstStyle>
           <a:p>
-            <a:pPr/>
             <a:fld id="{E2B2BC9D-A816-4D0A-858B-1D023B3A8ACA}" type="datetimeFigureOut">
               <a:rPr lang="ko-KR" altLang="en-US"/>
               <a:pPr/>
@@ -240,7 +250,6 @@
           <a:bodyPr vert="horz" lIns="91440" tIns="45720" rIns="91440" bIns="45720" anchor="ctr"/>
           <a:lstStyle/>
           <a:p>
-            <a:pPr/>
             <a:endParaRPr lang="ko-KR" altLang="en-US"/>
           </a:p>
         </p:txBody>
@@ -266,7 +275,7 @@
         </p:spPr>
         <p:txBody>
           <a:bodyPr vert="horz" lIns="91440" tIns="45720" rIns="91440" bIns="45720">
-            <a:normAutofit lnSpcReduction="0"/>
+            <a:normAutofit/>
           </a:bodyPr>
           <a:lstStyle/>
           <a:p>
@@ -275,7 +284,6 @@
               <a:rPr lang="ko-KR" altLang="en-US"/>
               <a:t>마스터 텍스트 스타일을 편집합니다</a:t>
             </a:r>
-            <a:endParaRPr lang="ko-KR" altLang="en-US"/>
           </a:p>
           <a:p>
             <a:pPr lvl="1"/>
@@ -283,7 +291,6 @@
               <a:rPr lang="ko-KR" altLang="en-US"/>
               <a:t>둘째 수준</a:t>
             </a:r>
-            <a:endParaRPr lang="ko-KR" altLang="en-US"/>
           </a:p>
           <a:p>
             <a:pPr lvl="2"/>
@@ -291,7 +298,6 @@
               <a:rPr lang="ko-KR" altLang="en-US"/>
               <a:t>셋째 수준</a:t>
             </a:r>
-            <a:endParaRPr lang="ko-KR" altLang="en-US"/>
           </a:p>
           <a:p>
             <a:pPr lvl="3"/>
@@ -299,7 +305,6 @@
               <a:rPr lang="ko-KR" altLang="en-US"/>
               <a:t>넷째 수준</a:t>
             </a:r>
-            <a:endParaRPr lang="ko-KR" altLang="en-US"/>
           </a:p>
           <a:p>
             <a:pPr lvl="4"/>
@@ -307,7 +312,6 @@
               <a:rPr lang="ko-KR" altLang="en-US"/>
               <a:t>다섯째 수준</a:t>
             </a:r>
-            <a:endParaRPr lang="ko-KR" altLang="en-US"/>
           </a:p>
         </p:txBody>
       </p:sp>
@@ -338,11 +342,6 @@
             </a:lvl1pPr>
           </a:lstStyle>
           <a:p>
-            <a:pPr/>
-            <a:r>
-              <a:rPr lang="ko-KR" altLang="en-US"/>
-              <a:t/>
-            </a:r>
             <a:endParaRPr lang="ko-KR" altLang="en-US"/>
           </a:p>
         </p:txBody>
@@ -374,7 +373,6 @@
             </a:lvl1pPr>
           </a:lstStyle>
           <a:p>
-            <a:pPr/>
             <a:fld id="{09F4262C-968C-4EE9-8164-CE16364706B3}" type="slidenum">
               <a:rPr lang="ko-KR" altLang="en-US"/>
               <a:pPr/>
@@ -484,7 +482,7 @@
 </file>
 
 <file path=ppt/notesSlides/notesSlide1.xml><?xml version="1.0" encoding="utf-8"?>
-<p:notes xmlns:r="http://schemas.openxmlformats.org/officeDocument/2006/relationships" xmlns:c="http://schemas.openxmlformats.org/drawingml/2006/chart" xmlns:a="http://schemas.openxmlformats.org/drawingml/2006/main" xmlns:dgm="http://schemas.openxmlformats.org/drawingml/2006/diagram" xmlns:dsp="http://schemas.microsoft.com/office/drawing/2008/diagram" xmlns:p="http://schemas.openxmlformats.org/presentationml/2006/main">
+<p:notes xmlns:a="http://schemas.openxmlformats.org/drawingml/2006/main" xmlns:r="http://schemas.openxmlformats.org/officeDocument/2006/relationships" xmlns:p="http://schemas.openxmlformats.org/presentationml/2006/main">
   <p:cSld>
     <p:spTree>
       <p:nvGrpSpPr>
@@ -515,7 +513,6 @@
           <a:bodyPr/>
           <a:lstStyle/>
           <a:p>
-            <a:pPr/>
             <a:endParaRPr lang="ko-KR" altLang="en-US"/>
           </a:p>
         </p:txBody>
@@ -523,7 +520,9 @@
       <p:sp>
         <p:nvSpPr>
           <p:cNvPr id="3" name="직사각형 2"/>
-          <p:cNvSpPr/>
+          <p:cNvSpPr>
+            <a:spLocks noGrp="1"/>
+          </p:cNvSpPr>
           <p:nvPr>
             <p:ph type="body" sz="quarter" idx="3"/>
           </p:nvPr>
@@ -533,11 +532,6 @@
           <a:bodyPr/>
           <a:lstStyle/>
           <a:p>
-            <a:pPr/>
-            <a:r>
-              <a:rPr lang="ko-KR" altLang="en-US"/>
-              <a:t/>
-            </a:r>
             <a:endParaRPr lang="ko-KR" altLang="en-US"/>
           </a:p>
         </p:txBody>
@@ -545,7 +539,9 @@
       <p:sp>
         <p:nvSpPr>
           <p:cNvPr id="4" name="직사각형 3"/>
-          <p:cNvSpPr/>
+          <p:cNvSpPr>
+            <a:spLocks noGrp="1"/>
+          </p:cNvSpPr>
           <p:nvPr>
             <p:ph type="sldNum" sz="quarter" idx="5"/>
           </p:nvPr>
@@ -559,7 +555,6 @@
             </a:lvl1pPr>
           </a:lstStyle>
           <a:p>
-            <a:pPr/>
             <a:fld id="{09F4262C-968C-4EE9-8164-CE16364706B3}" type="slidenum">
               <a:rPr lang="en-US" altLang="en-US"/>
               <a:pPr/>
@@ -571,6 +566,9 @@
       </p:sp>
     </p:spTree>
   </p:cSld>
+  <p:clrMapOvr>
+    <a:masterClrMapping/>
+  </p:clrMapOvr>
 </p:notes>
 </file>
 
@@ -755,7 +753,7 @@
           <a:p>
             <a:fld id="{FB30EDBD-1C2D-4C1E-B459-B60219FAB484}" type="datetimeFigureOut">
               <a:rPr lang="ko-KR" altLang="en-US" smtClean="0"/>
-              <a:t>2006-10-04</a:t>
+              <a:t>2020-05-01</a:t>
             </a:fld>
             <a:endParaRPr lang="ko-KR" altLang="en-US"/>
           </a:p>
@@ -920,7 +918,7 @@
           <a:p>
             <a:fld id="{FB30EDBD-1C2D-4C1E-B459-B60219FAB484}" type="datetimeFigureOut">
               <a:rPr lang="ko-KR" altLang="en-US" smtClean="0"/>
-              <a:t>2006-10-04</a:t>
+              <a:t>2020-05-01</a:t>
             </a:fld>
             <a:endParaRPr lang="ko-KR" altLang="en-US"/>
           </a:p>
@@ -1095,7 +1093,7 @@
           <a:p>
             <a:fld id="{FB30EDBD-1C2D-4C1E-B459-B60219FAB484}" type="datetimeFigureOut">
               <a:rPr lang="ko-KR" altLang="en-US" smtClean="0"/>
-              <a:t>2006-10-04</a:t>
+              <a:t>2020-05-01</a:t>
             </a:fld>
             <a:endParaRPr lang="ko-KR" altLang="en-US"/>
           </a:p>
@@ -1152,7 +1150,7 @@
 </file>
 
 <file path=ppt/slideLayouts/slideLayout12.xml><?xml version="1.0" encoding="utf-8"?>
-<p:sldLayout xmlns:r="http://schemas.openxmlformats.org/officeDocument/2006/relationships" xmlns:c="http://schemas.openxmlformats.org/drawingml/2006/chart" xmlns:a="http://schemas.openxmlformats.org/drawingml/2006/main" xmlns:dgm="http://schemas.openxmlformats.org/drawingml/2006/diagram" xmlns:dsp="http://schemas.microsoft.com/office/drawing/2008/diagram" xmlns:p="http://schemas.openxmlformats.org/presentationml/2006/main" showMasterPhAnim="1" matchingName="제목 및 내용" preserve="1" userDrawn="1">
+<p:sldLayout xmlns:a="http://schemas.openxmlformats.org/drawingml/2006/main" xmlns:r="http://schemas.openxmlformats.org/officeDocument/2006/relationships" xmlns:p="http://schemas.openxmlformats.org/presentationml/2006/main" matchingName="제목 및 내용" preserve="1" userDrawn="1">
   <p:cSld name="제목 및 내용">
     <p:spTree>
       <p:nvGrpSpPr>
@@ -1183,7 +1181,7 @@
             <a:avLst/>
           </a:prstGeom>
           <a:solidFill>
-            <a:srgbClr val="ffd5d5"/>
+            <a:srgbClr val="FFD5D5"/>
           </a:solidFill>
           <a:ln>
             <a:noFill/>
@@ -1212,7 +1210,7 @@
             <a:pPr algn="ctr"/>
             <a:endParaRPr lang="ko-KR" altLang="en-US">
               <a:solidFill>
-                <a:srgbClr val="c1e3e5"/>
+                <a:srgbClr val="C1E3E5"/>
               </a:solidFill>
             </a:endParaRPr>
           </a:p>
@@ -1233,7 +1231,7 @@
             <a:avLst/>
           </a:prstGeom>
           <a:solidFill>
-            <a:srgbClr val="ffe6cd"/>
+            <a:srgbClr val="FFE6CD"/>
           </a:solidFill>
           <a:ln>
             <a:noFill/>
@@ -1285,7 +1283,7 @@
           </a:solidFill>
           <a:ln w="12700">
             <a:solidFill>
-              <a:srgbClr val="ffdcb9"/>
+              <a:srgbClr val="FFDCB9"/>
             </a:solidFill>
           </a:ln>
         </p:spPr>
@@ -1330,7 +1328,7 @@
           </a:prstGeom>
           <a:ln w="19050">
             <a:solidFill>
-              <a:srgbClr val="ffe6cd"/>
+              <a:srgbClr val="FFE6CD"/>
             </a:solidFill>
             <a:miter/>
           </a:ln>
@@ -1357,7 +1355,7 @@
           <p:nvPr userDrawn="1"/>
         </p:nvGrpSpPr>
         <p:grpSpPr>
-          <a:xfrm rot="0">
+          <a:xfrm>
             <a:off x="741268" y="980728"/>
             <a:ext cx="419439" cy="390748"/>
             <a:chOff x="2879812" y="1182601"/>
@@ -1379,7 +1377,7 @@
               <a:avLst/>
             </a:prstGeom>
             <a:solidFill>
-              <a:srgbClr val="ffe6cd"/>
+              <a:srgbClr val="FFE6CD"/>
             </a:solidFill>
             <a:ln>
               <a:noFill/>
@@ -1427,7 +1425,7 @@
             <a:noFill/>
             <a:ln w="12700">
               <a:solidFill>
-                <a:srgbClr val="ffd5d5"/>
+                <a:srgbClr val="FFD5D5"/>
               </a:solidFill>
             </a:ln>
           </p:spPr>
@@ -1574,7 +1572,7 @@
           <a:p>
             <a:fld id="{FB30EDBD-1C2D-4C1E-B459-B60219FAB484}" type="datetimeFigureOut">
               <a:rPr lang="ko-KR" altLang="en-US" smtClean="0"/>
-              <a:t>2006-10-04</a:t>
+              <a:t>2020-05-01</a:t>
             </a:fld>
             <a:endParaRPr lang="ko-KR" altLang="en-US"/>
           </a:p>
@@ -1815,7 +1813,7 @@
           <a:p>
             <a:fld id="{FB30EDBD-1C2D-4C1E-B459-B60219FAB484}" type="datetimeFigureOut">
               <a:rPr lang="ko-KR" altLang="en-US" smtClean="0"/>
-              <a:t>2006-10-04</a:t>
+              <a:t>2020-05-01</a:t>
             </a:fld>
             <a:endParaRPr lang="ko-KR" altLang="en-US"/>
           </a:p>
@@ -2098,7 +2096,7 @@
           <a:p>
             <a:fld id="{FB30EDBD-1C2D-4C1E-B459-B60219FAB484}" type="datetimeFigureOut">
               <a:rPr lang="ko-KR" altLang="en-US" smtClean="0"/>
-              <a:t>2006-10-04</a:t>
+              <a:t>2020-05-01</a:t>
             </a:fld>
             <a:endParaRPr lang="ko-KR" altLang="en-US"/>
           </a:p>
@@ -2515,7 +2513,7 @@
           <a:p>
             <a:fld id="{FB30EDBD-1C2D-4C1E-B459-B60219FAB484}" type="datetimeFigureOut">
               <a:rPr lang="ko-KR" altLang="en-US" smtClean="0"/>
-              <a:t>2006-10-04</a:t>
+              <a:t>2020-05-01</a:t>
             </a:fld>
             <a:endParaRPr lang="ko-KR" altLang="en-US"/>
           </a:p>
@@ -2628,7 +2626,7 @@
           <a:p>
             <a:fld id="{FB30EDBD-1C2D-4C1E-B459-B60219FAB484}" type="datetimeFigureOut">
               <a:rPr lang="ko-KR" altLang="en-US" smtClean="0"/>
-              <a:t>2006-10-04</a:t>
+              <a:t>2020-05-01</a:t>
             </a:fld>
             <a:endParaRPr lang="ko-KR" altLang="en-US"/>
           </a:p>
@@ -2718,7 +2716,7 @@
           <a:p>
             <a:fld id="{FB30EDBD-1C2D-4C1E-B459-B60219FAB484}" type="datetimeFigureOut">
               <a:rPr lang="ko-KR" altLang="en-US" smtClean="0"/>
-              <a:t>2006-10-04</a:t>
+              <a:t>2020-05-01</a:t>
             </a:fld>
             <a:endParaRPr lang="ko-KR" altLang="en-US"/>
           </a:p>
@@ -2990,7 +2988,7 @@
           <a:p>
             <a:fld id="{FB30EDBD-1C2D-4C1E-B459-B60219FAB484}" type="datetimeFigureOut">
               <a:rPr lang="ko-KR" altLang="en-US" smtClean="0"/>
-              <a:t>2006-10-04</a:t>
+              <a:t>2020-05-01</a:t>
             </a:fld>
             <a:endParaRPr lang="ko-KR" altLang="en-US"/>
           </a:p>
@@ -3238,7 +3236,7 @@
           <a:p>
             <a:fld id="{FB30EDBD-1C2D-4C1E-B459-B60219FAB484}" type="datetimeFigureOut">
               <a:rPr lang="ko-KR" altLang="en-US" smtClean="0"/>
-              <a:t>2006-10-04</a:t>
+              <a:t>2020-05-01</a:t>
             </a:fld>
             <a:endParaRPr lang="ko-KR" altLang="en-US"/>
           </a:p>
@@ -3295,7 +3293,7 @@
 </file>
 
 <file path=ppt/slideMasters/slideMaster1.xml><?xml version="1.0" encoding="utf-8"?>
-<p:sldMaster xmlns:r="http://schemas.openxmlformats.org/officeDocument/2006/relationships" xmlns:c="http://schemas.openxmlformats.org/drawingml/2006/chart" xmlns:a="http://schemas.openxmlformats.org/drawingml/2006/main" xmlns:dgm="http://schemas.openxmlformats.org/drawingml/2006/diagram" xmlns:dsp="http://schemas.microsoft.com/office/drawing/2008/diagram" xmlns:p="http://schemas.openxmlformats.org/presentationml/2006/main">
+<p:sldMaster xmlns:a="http://schemas.openxmlformats.org/drawingml/2006/main" xmlns:r="http://schemas.openxmlformats.org/officeDocument/2006/relationships" xmlns:p="http://schemas.openxmlformats.org/presentationml/2006/main">
   <p:cSld name="Office 테마">
     <p:bg>
       <p:bgRef idx="1001">
@@ -3323,7 +3321,7 @@
             <a:spLocks noGrp="1"/>
           </p:cNvSpPr>
           <p:nvPr>
-            <p:ph type="title" idx="0"/>
+            <p:ph type="title"/>
           </p:nvPr>
         </p:nvSpPr>
         <p:spPr>
@@ -3337,7 +3335,7 @@
         </p:spPr>
         <p:txBody>
           <a:bodyPr vert="horz" lIns="91440" tIns="45720" rIns="91440" bIns="45720" anchor="ctr">
-            <a:normAutofit lnSpcReduction="0"/>
+            <a:normAutofit/>
           </a:bodyPr>
           <a:lstStyle/>
           <a:p>
@@ -3346,7 +3344,6 @@
               <a:rPr lang="ko-KR" altLang="en-US"/>
               <a:t>마스터 제목 스타일 편집</a:t>
             </a:r>
-            <a:endParaRPr lang="ko-KR" altLang="en-US"/>
           </a:p>
         </p:txBody>
       </p:sp>
@@ -3371,7 +3368,7 @@
         </p:spPr>
         <p:txBody>
           <a:bodyPr vert="horz" lIns="91440" tIns="45720" rIns="91440" bIns="45720">
-            <a:normAutofit lnSpcReduction="0"/>
+            <a:normAutofit/>
           </a:bodyPr>
           <a:lstStyle/>
           <a:p>
@@ -3380,7 +3377,6 @@
               <a:rPr lang="ko-KR" altLang="en-US"/>
               <a:t>마스터 텍스트 스타일을 편집합니다</a:t>
             </a:r>
-            <a:endParaRPr lang="ko-KR" altLang="en-US"/>
           </a:p>
           <a:p>
             <a:pPr lvl="1"/>
@@ -3388,7 +3384,6 @@
               <a:rPr lang="ko-KR" altLang="en-US"/>
               <a:t>둘째 수준</a:t>
             </a:r>
-            <a:endParaRPr lang="ko-KR" altLang="en-US"/>
           </a:p>
           <a:p>
             <a:pPr lvl="2"/>
@@ -3396,7 +3391,6 @@
               <a:rPr lang="ko-KR" altLang="en-US"/>
               <a:t>셋째 수준</a:t>
             </a:r>
-            <a:endParaRPr lang="ko-KR" altLang="en-US"/>
           </a:p>
           <a:p>
             <a:pPr lvl="3"/>
@@ -3404,7 +3398,6 @@
               <a:rPr lang="ko-KR" altLang="en-US"/>
               <a:t>넷째 수준</a:t>
             </a:r>
-            <a:endParaRPr lang="ko-KR" altLang="en-US"/>
           </a:p>
           <a:p>
             <a:pPr lvl="4"/>
@@ -3412,7 +3405,6 @@
               <a:rPr lang="ko-KR" altLang="en-US"/>
               <a:t>다섯째 수준</a:t>
             </a:r>
-            <a:endParaRPr lang="ko-KR" altLang="en-US"/>
           </a:p>
         </p:txBody>
       </p:sp>
@@ -3449,7 +3441,6 @@
             </a:lvl1pPr>
           </a:lstStyle>
           <a:p>
-            <a:pPr/>
             <a:fld id="{FB30EDBD-1C2D-4C1E-B459-B60219FAB484}" type="datetimeFigureOut">
               <a:rPr lang="ko-KR" altLang="en-US"/>
               <a:pPr/>
@@ -3492,11 +3483,6 @@
             </a:lvl1pPr>
           </a:lstStyle>
           <a:p>
-            <a:pPr/>
-            <a:r>
-              <a:rPr lang="ko-KR" altLang="en-US"/>
-              <a:t/>
-            </a:r>
             <a:endParaRPr lang="ko-KR" altLang="en-US"/>
           </a:p>
         </p:txBody>
@@ -3534,7 +3520,6 @@
             </a:lvl1pPr>
           </a:lstStyle>
           <a:p>
-            <a:pPr/>
             <a:fld id="{4BEDD84E-25D4-4983-8AA1-2863C96F08D9}" type="slidenum">
               <a:rPr lang="ko-KR" altLang="en-US"/>
               <a:pPr/>
@@ -3548,18 +3533,18 @@
   </p:cSld>
   <p:clrMap bg1="lt1" tx1="dk1" bg2="lt2" tx2="dk2" accent1="accent1" accent2="accent2" accent3="accent3" accent4="accent4" accent5="accent5" accent6="accent6" hlink="hlink" folHlink="folHlink"/>
   <p:sldLayoutIdLst>
-    <p:sldLayoutId id="2147483800" r:id="rId2"/>
-    <p:sldLayoutId id="2147483801" r:id="rId3"/>
-    <p:sldLayoutId id="2147483802" r:id="rId4"/>
-    <p:sldLayoutId id="2147483803" r:id="rId5"/>
-    <p:sldLayoutId id="2147483804" r:id="rId6"/>
-    <p:sldLayoutId id="2147483805" r:id="rId7"/>
-    <p:sldLayoutId id="2147483806" r:id="rId8"/>
-    <p:sldLayoutId id="2147483807" r:id="rId9"/>
-    <p:sldLayoutId id="2147483808" r:id="rId10"/>
-    <p:sldLayoutId id="2147483809" r:id="rId11"/>
-    <p:sldLayoutId id="2147483810" r:id="rId12"/>
-    <p:sldLayoutId id="2147483811" r:id="rId13"/>
+    <p:sldLayoutId id="2147483800" r:id="rId1"/>
+    <p:sldLayoutId id="2147483801" r:id="rId2"/>
+    <p:sldLayoutId id="2147483802" r:id="rId3"/>
+    <p:sldLayoutId id="2147483803" r:id="rId4"/>
+    <p:sldLayoutId id="2147483804" r:id="rId5"/>
+    <p:sldLayoutId id="2147483805" r:id="rId6"/>
+    <p:sldLayoutId id="2147483806" r:id="rId7"/>
+    <p:sldLayoutId id="2147483807" r:id="rId8"/>
+    <p:sldLayoutId id="2147483808" r:id="rId9"/>
+    <p:sldLayoutId id="2147483809" r:id="rId10"/>
+    <p:sldLayoutId id="2147483810" r:id="rId11"/>
+    <p:sldLayoutId id="2147483811" r:id="rId12"/>
   </p:sldLayoutIdLst>
   <p:txStyles>
     <p:titleStyle>
@@ -3815,7 +3800,7 @@
 </file>
 
 <file path=ppt/slides/slide1.xml><?xml version="1.0" encoding="utf-8"?>
-<p:sld xmlns:r="http://schemas.openxmlformats.org/officeDocument/2006/relationships" xmlns:c="http://schemas.openxmlformats.org/drawingml/2006/chart" xmlns:a="http://schemas.openxmlformats.org/drawingml/2006/main" xmlns:dgm="http://schemas.openxmlformats.org/drawingml/2006/diagram" xmlns:dsp="http://schemas.microsoft.com/office/drawing/2008/diagram" xmlns:p="http://schemas.openxmlformats.org/presentationml/2006/main">
+<p:sld xmlns:a="http://schemas.openxmlformats.org/drawingml/2006/main" xmlns:r="http://schemas.openxmlformats.org/officeDocument/2006/relationships" xmlns:p="http://schemas.openxmlformats.org/presentationml/2006/main">
   <p:cSld>
     <p:spTree>
       <p:nvGrpSpPr>
@@ -3850,13 +3835,12 @@
           <a:bodyPr wrap="square">
             <a:spAutoFit/>
           </a:bodyPr>
-          <a:p>
-            <a:pPr/>
+          <a:lstStyle/>
+          <a:p>
             <a:r>
               <a:rPr lang="ko-KR" altLang="en-US"/>
               <a:t>메인에서 살릴메뉴 </a:t>
             </a:r>
-            <a:endParaRPr lang="ko-KR" altLang="en-US"/>
           </a:p>
         </p:txBody>
       </p:sp>
@@ -3869,7 +3853,7 @@
 </file>
 
 <file path=ppt/slides/slide2.xml><?xml version="1.0" encoding="utf-8"?>
-<p:sld xmlns:r="http://schemas.openxmlformats.org/officeDocument/2006/relationships" xmlns:c="http://schemas.openxmlformats.org/drawingml/2006/chart" xmlns:a="http://schemas.openxmlformats.org/drawingml/2006/main" xmlns:dgm="http://schemas.openxmlformats.org/drawingml/2006/diagram" xmlns:dsp="http://schemas.microsoft.com/office/drawing/2008/diagram" xmlns:p="http://schemas.openxmlformats.org/presentationml/2006/main">
+<p:sld xmlns:a="http://schemas.openxmlformats.org/drawingml/2006/main" xmlns:r="http://schemas.openxmlformats.org/officeDocument/2006/relationships" xmlns:p="http://schemas.openxmlformats.org/presentationml/2006/main">
   <p:cSld>
     <p:spTree>
       <p:nvGrpSpPr>
@@ -3904,13 +3888,12 @@
           <a:bodyPr wrap="square">
             <a:spAutoFit/>
           </a:bodyPr>
-          <a:p>
-            <a:pPr/>
+          <a:lstStyle/>
+          <a:p>
             <a:r>
               <a:rPr lang="ko-KR" altLang="en-US"/>
               <a:t>사용자 입장 </a:t>
             </a:r>
-            <a:endParaRPr lang="ko-KR" altLang="en-US"/>
           </a:p>
         </p:txBody>
       </p:sp>
@@ -3935,12 +3918,10 @@
           </a:bodyPr>
           <a:lstStyle/>
           <a:p>
-            <a:pPr/>
             <a:r>
               <a:rPr lang="ko-KR" altLang="en-US"/>
               <a:t>1.회원관리 </a:t>
             </a:r>
-            <a:endParaRPr lang="ko-KR" altLang="en-US"/>
           </a:p>
         </p:txBody>
       </p:sp>
@@ -3998,13 +3979,12 @@
           <a:bodyPr wrap="square">
             <a:spAutoFit/>
           </a:bodyPr>
-          <a:p>
-            <a:pPr/>
+          <a:lstStyle/>
+          <a:p>
             <a:r>
               <a:rPr lang="ko-KR" altLang="en-US"/>
               <a:t>회원 목록</a:t>
             </a:r>
-            <a:endParaRPr lang="ko-KR" altLang="en-US"/>
           </a:p>
         </p:txBody>
       </p:sp>
@@ -4029,12 +4009,10 @@
           </a:bodyPr>
           <a:lstStyle/>
           <a:p>
-            <a:pPr/>
             <a:r>
               <a:rPr lang="ko-KR" altLang="en-US"/>
               <a:t>관리자 목록</a:t>
             </a:r>
-            <a:endParaRPr lang="ko-KR" altLang="en-US"/>
           </a:p>
         </p:txBody>
       </p:sp>
@@ -4059,12 +4037,10 @@
           </a:bodyPr>
           <a:lstStyle/>
           <a:p>
-            <a:pPr/>
             <a:r>
               <a:rPr lang="ko-KR" altLang="en-US"/>
               <a:t>메인 </a:t>
             </a:r>
-            <a:endParaRPr lang="ko-KR" altLang="en-US"/>
           </a:p>
         </p:txBody>
       </p:sp>
@@ -4124,12 +4100,10 @@
           </a:bodyPr>
           <a:lstStyle/>
           <a:p>
-            <a:pPr/>
             <a:r>
               <a:rPr lang="ko-KR" altLang="en-US"/>
               <a:t>회원 목록</a:t>
             </a:r>
-            <a:endParaRPr lang="ko-KR" altLang="en-US"/>
           </a:p>
         </p:txBody>
       </p:sp>
@@ -4154,12 +4128,10 @@
           </a:bodyPr>
           <a:lstStyle/>
           <a:p>
-            <a:pPr/>
             <a:r>
               <a:rPr lang="ko-KR" altLang="en-US"/>
               <a:t>1-1.회원상세정보 </a:t>
             </a:r>
-            <a:endParaRPr lang="ko-KR" altLang="en-US"/>
           </a:p>
         </p:txBody>
       </p:sp>
@@ -4219,12 +4191,10 @@
           </a:bodyPr>
           <a:lstStyle/>
           <a:p>
-            <a:pPr/>
             <a:r>
               <a:rPr lang="ko-KR" altLang="en-US"/>
               <a:t>회원 정보</a:t>
             </a:r>
-            <a:endParaRPr lang="ko-KR" altLang="en-US"/>
           </a:p>
         </p:txBody>
       </p:sp>
@@ -4249,12 +4219,10 @@
           </a:bodyPr>
           <a:lstStyle/>
           <a:p>
-            <a:pPr/>
             <a:r>
               <a:rPr lang="ko-KR" altLang="en-US"/>
               <a:t>주문정보</a:t>
             </a:r>
-            <a:endParaRPr lang="ko-KR" altLang="en-US"/>
           </a:p>
         </p:txBody>
       </p:sp>
@@ -4279,12 +4247,10 @@
           </a:bodyPr>
           <a:lstStyle/>
           <a:p>
-            <a:pPr/>
             <a:r>
               <a:rPr lang="ko-KR" altLang="en-US"/>
               <a:t>2.상품관리 </a:t>
             </a:r>
-            <a:endParaRPr lang="ko-KR" altLang="en-US"/>
           </a:p>
         </p:txBody>
       </p:sp>
@@ -4344,12 +4310,10 @@
           </a:bodyPr>
           <a:lstStyle/>
           <a:p>
-            <a:pPr/>
             <a:r>
               <a:rPr lang="ko-KR" altLang="en-US"/>
               <a:t>상품목록</a:t>
             </a:r>
-            <a:endParaRPr lang="ko-KR" altLang="en-US"/>
           </a:p>
         </p:txBody>
       </p:sp>
@@ -4362,7 +4326,7 @@
 </file>
 
 <file path=ppt/slides/slide3.xml><?xml version="1.0" encoding="utf-8"?>
-<p:sld xmlns:r="http://schemas.openxmlformats.org/officeDocument/2006/relationships" xmlns:c="http://schemas.openxmlformats.org/drawingml/2006/chart" xmlns:a="http://schemas.openxmlformats.org/drawingml/2006/main" xmlns:dgm="http://schemas.openxmlformats.org/drawingml/2006/diagram" xmlns:dsp="http://schemas.microsoft.com/office/drawing/2008/diagram" xmlns:p="http://schemas.openxmlformats.org/presentationml/2006/main">
+<p:sld xmlns:a="http://schemas.openxmlformats.org/drawingml/2006/main" xmlns:r="http://schemas.openxmlformats.org/officeDocument/2006/relationships" xmlns:p="http://schemas.openxmlformats.org/presentationml/2006/main">
   <p:cSld>
     <p:spTree>
       <p:nvGrpSpPr>
@@ -4397,13 +4361,12 @@
           <a:bodyPr wrap="square">
             <a:spAutoFit/>
           </a:bodyPr>
-          <a:p>
-            <a:pPr/>
+          <a:lstStyle/>
+          <a:p>
             <a:r>
               <a:rPr lang="ko-KR" altLang="en-US"/>
               <a:t>관리자 페이지</a:t>
             </a:r>
-            <a:endParaRPr lang="ko-KR" altLang="en-US"/>
           </a:p>
         </p:txBody>
       </p:sp>
@@ -4428,12 +4391,10 @@
           </a:bodyPr>
           <a:lstStyle/>
           <a:p>
-            <a:pPr/>
             <a:r>
               <a:rPr lang="ko-KR" altLang="en-US"/>
               <a:t>1. 회원관리 </a:t>
             </a:r>
-            <a:endParaRPr lang="ko-KR" altLang="en-US"/>
           </a:p>
         </p:txBody>
       </p:sp>
@@ -4491,13 +4452,12 @@
           <a:bodyPr wrap="square">
             <a:spAutoFit/>
           </a:bodyPr>
-          <a:p>
-            <a:pPr/>
+          <a:lstStyle/>
+          <a:p>
             <a:r>
               <a:rPr lang="ko-KR" altLang="en-US"/>
               <a:t>회원 목록(검색)</a:t>
             </a:r>
-            <a:endParaRPr lang="ko-KR" altLang="en-US"/>
           </a:p>
         </p:txBody>
       </p:sp>
@@ -4522,7 +4482,6 @@
           </a:bodyPr>
           <a:lstStyle/>
           <a:p>
-            <a:pPr/>
             <a:endParaRPr lang="ko-KR" altLang="en-US"/>
           </a:p>
         </p:txBody>
@@ -4548,12 +4507,10 @@
           </a:bodyPr>
           <a:lstStyle/>
           <a:p>
-            <a:pPr/>
             <a:r>
               <a:rPr lang="ko-KR" altLang="en-US"/>
               <a:t>메인 </a:t>
             </a:r>
-            <a:endParaRPr lang="ko-KR" altLang="en-US"/>
           </a:p>
         </p:txBody>
       </p:sp>
@@ -4613,28 +4570,22 @@
           </a:bodyPr>
           <a:lstStyle/>
           <a:p>
-            <a:pPr/>
             <a:r>
               <a:rPr lang="ko-KR" altLang="en-US"/>
               <a:t>주문지역 통계순위</a:t>
             </a:r>
-            <a:endParaRPr lang="ko-KR" altLang="en-US"/>
-          </a:p>
-          <a:p>
-            <a:pPr/>
+          </a:p>
+          <a:p>
             <a:r>
               <a:rPr lang="ko-KR" altLang="en-US"/>
               <a:t>버거매출 통계순위</a:t>
             </a:r>
-            <a:endParaRPr lang="ko-KR" altLang="en-US"/>
-          </a:p>
-          <a:p>
-            <a:pPr/>
+          </a:p>
+          <a:p>
             <a:r>
               <a:rPr lang="ko-KR" altLang="en-US"/>
               <a:t>월별 실적(막대그래프)</a:t>
             </a:r>
-            <a:endParaRPr lang="ko-KR" altLang="en-US"/>
           </a:p>
         </p:txBody>
       </p:sp>
@@ -4659,12 +4610,10 @@
           </a:bodyPr>
           <a:lstStyle/>
           <a:p>
-            <a:pPr/>
             <a:r>
               <a:rPr lang="ko-KR" altLang="en-US"/>
               <a:t>1-1. 회원상세정보 </a:t>
             </a:r>
-            <a:endParaRPr lang="ko-KR" altLang="en-US"/>
           </a:p>
         </p:txBody>
       </p:sp>
@@ -4724,12 +4673,10 @@
           </a:bodyPr>
           <a:lstStyle/>
           <a:p>
-            <a:pPr/>
             <a:r>
               <a:rPr lang="ko-KR" altLang="en-US"/>
               <a:t>회원 정보</a:t>
             </a:r>
-            <a:endParaRPr lang="ko-KR" altLang="en-US"/>
           </a:p>
         </p:txBody>
       </p:sp>
@@ -4754,12 +4701,10 @@
           </a:bodyPr>
           <a:lstStyle/>
           <a:p>
-            <a:pPr/>
             <a:r>
               <a:rPr lang="ko-KR" altLang="en-US"/>
               <a:t>주문정보</a:t>
             </a:r>
-            <a:endParaRPr lang="ko-KR" altLang="en-US"/>
           </a:p>
         </p:txBody>
       </p:sp>
@@ -4784,12 +4729,10 @@
           </a:bodyPr>
           <a:lstStyle/>
           <a:p>
-            <a:pPr/>
             <a:r>
               <a:rPr lang="ko-KR" altLang="en-US"/>
               <a:t>2. 상품관리 </a:t>
             </a:r>
-            <a:endParaRPr lang="ko-KR" altLang="en-US"/>
           </a:p>
         </p:txBody>
       </p:sp>
@@ -4849,12 +4792,10 @@
           </a:bodyPr>
           <a:lstStyle/>
           <a:p>
-            <a:pPr/>
             <a:r>
               <a:rPr lang="ko-KR" altLang="en-US"/>
               <a:t>상품목록</a:t>
             </a:r>
-            <a:endParaRPr lang="ko-KR" altLang="en-US"/>
           </a:p>
         </p:txBody>
       </p:sp>
@@ -4879,12 +4820,10 @@
           </a:bodyPr>
           <a:lstStyle/>
           <a:p>
-            <a:pPr/>
             <a:r>
               <a:rPr lang="ko-KR" altLang="en-US"/>
               <a:t>3. 1:1문의 </a:t>
             </a:r>
-            <a:endParaRPr lang="ko-KR" altLang="en-US"/>
           </a:p>
         </p:txBody>
       </p:sp>
@@ -4909,12 +4848,10 @@
           </a:bodyPr>
           <a:lstStyle/>
           <a:p>
-            <a:pPr/>
             <a:r>
               <a:rPr lang="ko-KR" altLang="en-US"/>
               <a:t>4. 캘린더</a:t>
             </a:r>
-            <a:endParaRPr lang="ko-KR" altLang="en-US"/>
           </a:p>
         </p:txBody>
       </p:sp>
@@ -4939,15 +4876,12 @@
           </a:bodyPr>
           <a:lstStyle/>
           <a:p>
-            <a:pPr/>
             <a:r>
               <a:rPr lang="ko-KR" altLang="en-US"/>
               <a:t>2-1. 상품등록,수정,삭제</a:t>
             </a:r>
-            <a:endParaRPr lang="ko-KR" altLang="en-US"/>
-          </a:p>
-          <a:p>
-            <a:pPr/>
+          </a:p>
+          <a:p>
             <a:r>
               <a:rPr lang="en-US" altLang="ko-KR"/>
               <a:t>※</a:t>
@@ -4956,7 +4890,6 @@
               <a:rPr lang="ko-KR" altLang="en-US"/>
               <a:t> 메인 페이지에서도 바로 반영이 되게..</a:t>
             </a:r>
-            <a:endParaRPr lang="ko-KR" altLang="en-US"/>
           </a:p>
         </p:txBody>
       </p:sp>
@@ -4969,7 +4902,7 @@
 </file>
 
 <file path=ppt/slides/slide4.xml><?xml version="1.0" encoding="utf-8"?>
-<p:sld xmlns:r="http://schemas.openxmlformats.org/officeDocument/2006/relationships" xmlns:c="http://schemas.openxmlformats.org/drawingml/2006/chart" xmlns:a="http://schemas.openxmlformats.org/drawingml/2006/main" xmlns:dgm="http://schemas.openxmlformats.org/drawingml/2006/diagram" xmlns:dsp="http://schemas.microsoft.com/office/drawing/2008/diagram" xmlns:p="http://schemas.openxmlformats.org/presentationml/2006/main">
+<p:sld xmlns:a="http://schemas.openxmlformats.org/drawingml/2006/main" xmlns:r="http://schemas.openxmlformats.org/officeDocument/2006/relationships" xmlns:p="http://schemas.openxmlformats.org/presentationml/2006/main">
   <p:cSld>
     <p:spTree>
       <p:nvGrpSpPr>
@@ -5047,16 +4980,6 @@
               </a:rPr>
               <a:t>메인(메뉴바)</a:t>
             </a:r>
-            <a:endParaRPr lang="ko-KR" altLang="en-US" sz="2400" spc="-148">
-              <a:solidFill>
-                <a:schemeClr val="tx1">
-                  <a:lumMod val="75000"/>
-                  <a:lumOff val="25000"/>
-                </a:schemeClr>
-              </a:solidFill>
-              <a:latin typeface="한컴 윤고딕 250"/>
-              <a:ea typeface="한컴 윤고딕 250"/>
-            </a:endParaRPr>
           </a:p>
         </p:txBody>
       </p:sp>
@@ -5083,8 +5006,8 @@
           <a:bodyPr wrap="square">
             <a:spAutoFit/>
           </a:bodyPr>
-          <a:p>
-            <a:pPr/>
+          <a:lstStyle/>
+          <a:p>
             <a:r>
               <a:rPr lang="ko-KR" altLang="en-US">
                 <a:solidFill>
@@ -5096,14 +5019,6 @@
               </a:rPr>
               <a:t>https://colorlib.com//polygon/adminty/default/index.html</a:t>
             </a:r>
-            <a:endParaRPr lang="ko-KR" altLang="en-US">
-              <a:solidFill>
-                <a:srgbClr val="000000">
-                  <a:alpha val="100000"/>
-                </a:srgbClr>
-              </a:solidFill>
-              <a:latin typeface="Arial"/>
-            </a:endParaRPr>
           </a:p>
         </p:txBody>
       </p:sp>
@@ -5124,7 +5039,7 @@
         </p:blipFill>
         <p:spPr>
           <a:xfrm>
-            <a:off x="377788" y="2548068"/>
+            <a:off x="971600" y="2420888"/>
             <a:ext cx="8388424" cy="2105067"/>
           </a:xfrm>
           <a:prstGeom prst="rect">
@@ -5151,21 +5066,18 @@
           <a:bodyPr wrap="square">
             <a:spAutoFit/>
           </a:bodyPr>
-          <a:p>
-            <a:pPr/>
+          <a:lstStyle/>
+          <a:p>
             <a:r>
               <a:rPr lang="ko-KR" altLang="en-US"/>
               <a:t>회원관리 하단메뉴 : 목록, 등록</a:t>
             </a:r>
-            <a:endParaRPr lang="ko-KR" altLang="en-US"/>
-          </a:p>
-          <a:p>
-            <a:pPr/>
+          </a:p>
+          <a:p>
             <a:r>
               <a:rPr lang="ko-KR" altLang="en-US"/>
               <a:t>상품관리 하단메뉴 : 목록, 등록 </a:t>
             </a:r>
-            <a:endParaRPr lang="ko-KR" altLang="en-US"/>
           </a:p>
         </p:txBody>
       </p:sp>
@@ -5178,7 +5090,7 @@
 </file>
 
 <file path=ppt/slides/slide5.xml><?xml version="1.0" encoding="utf-8"?>
-<p:sld xmlns:r="http://schemas.openxmlformats.org/officeDocument/2006/relationships" xmlns:c="http://schemas.openxmlformats.org/drawingml/2006/chart" xmlns:a="http://schemas.openxmlformats.org/drawingml/2006/main" xmlns:dgm="http://schemas.openxmlformats.org/drawingml/2006/diagram" xmlns:dsp="http://schemas.microsoft.com/office/drawing/2008/diagram" xmlns:p="http://schemas.openxmlformats.org/presentationml/2006/main">
+<p:sld xmlns:a="http://schemas.openxmlformats.org/drawingml/2006/main" xmlns:r="http://schemas.openxmlformats.org/officeDocument/2006/relationships" xmlns:p="http://schemas.openxmlformats.org/presentationml/2006/main">
   <p:cSld>
     <p:spTree>
       <p:nvGrpSpPr>
@@ -5256,16 +5168,6 @@
               </a:rPr>
               <a:t>회원 관리(회원목록)</a:t>
             </a:r>
-            <a:endParaRPr lang="ko-KR" altLang="en-US" sz="2400" spc="-148">
-              <a:solidFill>
-                <a:schemeClr val="tx1">
-                  <a:lumMod val="75000"/>
-                  <a:lumOff val="25000"/>
-                </a:schemeClr>
-              </a:solidFill>
-              <a:latin typeface="한컴 윤고딕 250"/>
-              <a:ea typeface="한컴 윤고딕 250"/>
-            </a:endParaRPr>
           </a:p>
         </p:txBody>
       </p:sp>
@@ -5330,13 +5232,13 @@
         </p:style>
         <p:txBody>
           <a:bodyPr anchor="ctr"/>
+          <a:lstStyle/>
           <a:p>
             <a:pPr algn="ctr"/>
             <a:r>
               <a:rPr lang="ko-KR" altLang="en-US" sz="1200"/>
               <a:t>5,10.15개씩보기</a:t>
             </a:r>
-            <a:endParaRPr lang="ko-KR" altLang="en-US" sz="1200"/>
           </a:p>
         </p:txBody>
       </p:sp>
@@ -5356,7 +5258,7 @@
           </a:prstGeom>
           <a:ln w="38100">
             <a:solidFill>
-              <a:srgbClr val="ff0000"/>
+              <a:srgbClr val="FF0000"/>
             </a:solidFill>
           </a:ln>
         </p:spPr>
@@ -5391,7 +5293,7 @@
           </a:prstGeom>
           <a:ln w="38100">
             <a:solidFill>
-              <a:srgbClr val="ff0000"/>
+              <a:srgbClr val="FF0000"/>
             </a:solidFill>
           </a:ln>
         </p:spPr>
@@ -5426,7 +5328,7 @@
           </a:prstGeom>
           <a:ln w="38100">
             <a:solidFill>
-              <a:srgbClr val="ff0000"/>
+              <a:srgbClr val="FF0000"/>
             </a:solidFill>
           </a:ln>
         </p:spPr>
@@ -5488,7 +5390,6 @@
               <a:rPr lang="ko-KR" altLang="en-US" sz="1200"/>
               <a:t>(종류별 3개정도?)검색</a:t>
             </a:r>
-            <a:endParaRPr lang="ko-KR" altLang="en-US" sz="1200"/>
           </a:p>
         </p:txBody>
       </p:sp>
@@ -5501,7 +5402,7 @@
 </file>
 
 <file path=ppt/slides/slide6.xml><?xml version="1.0" encoding="utf-8"?>
-<p:sld xmlns:r="http://schemas.openxmlformats.org/officeDocument/2006/relationships" xmlns:c="http://schemas.openxmlformats.org/drawingml/2006/chart" xmlns:a="http://schemas.openxmlformats.org/drawingml/2006/main" xmlns:dgm="http://schemas.openxmlformats.org/drawingml/2006/diagram" xmlns:dsp="http://schemas.microsoft.com/office/drawing/2008/diagram" xmlns:p="http://schemas.openxmlformats.org/presentationml/2006/main">
+<p:sld xmlns:a="http://schemas.openxmlformats.org/drawingml/2006/main" xmlns:r="http://schemas.openxmlformats.org/officeDocument/2006/relationships" xmlns:p="http://schemas.openxmlformats.org/presentationml/2006/main">
   <p:cSld>
     <p:spTree>
       <p:nvGrpSpPr>
@@ -5579,16 +5480,6 @@
               </a:rPr>
               <a:t>회원 관리(회원목록)</a:t>
             </a:r>
-            <a:endParaRPr lang="ko-KR" altLang="en-US" sz="2400" spc="-148">
-              <a:solidFill>
-                <a:schemeClr val="tx1">
-                  <a:lumMod val="75000"/>
-                  <a:lumOff val="25000"/>
-                </a:schemeClr>
-              </a:solidFill>
-              <a:latin typeface="한컴 윤고딕 250"/>
-              <a:ea typeface="한컴 윤고딕 250"/>
-            </a:endParaRPr>
           </a:p>
         </p:txBody>
       </p:sp>
@@ -5626,7 +5517,7 @@
 </file>
 
 <file path=ppt/slides/slide7.xml><?xml version="1.0" encoding="utf-8"?>
-<p:sld xmlns:r="http://schemas.openxmlformats.org/officeDocument/2006/relationships" xmlns:c="http://schemas.openxmlformats.org/drawingml/2006/chart" xmlns:a="http://schemas.openxmlformats.org/drawingml/2006/main" xmlns:dgm="http://schemas.openxmlformats.org/drawingml/2006/diagram" xmlns:dsp="http://schemas.microsoft.com/office/drawing/2008/diagram" xmlns:p="http://schemas.openxmlformats.org/presentationml/2006/main">
+<p:sld xmlns:a="http://schemas.openxmlformats.org/drawingml/2006/main" xmlns:r="http://schemas.openxmlformats.org/officeDocument/2006/relationships" xmlns:p="http://schemas.openxmlformats.org/presentationml/2006/main">
   <p:cSld>
     <p:spTree>
       <p:nvGrpSpPr>
@@ -5704,16 +5595,6 @@
               </a:rPr>
               <a:t>상품 관리</a:t>
             </a:r>
-            <a:endParaRPr lang="ko-KR" altLang="en-US" sz="2400" spc="-148">
-              <a:solidFill>
-                <a:schemeClr val="tx1">
-                  <a:lumMod val="75000"/>
-                  <a:lumOff val="25000"/>
-                </a:schemeClr>
-              </a:solidFill>
-              <a:latin typeface="한컴 윤고딕 250"/>
-              <a:ea typeface="한컴 윤고딕 250"/>
-            </a:endParaRPr>
           </a:p>
         </p:txBody>
       </p:sp>
@@ -5726,41 +5607,41 @@
 </file>
 
 <file path=ppt/theme/theme1.xml><?xml version="1.0" encoding="utf-8"?>
-<a:theme xmlns:r="http://schemas.openxmlformats.org/officeDocument/2006/relationships" xmlns:c="http://schemas.openxmlformats.org/drawingml/2006/chart" xmlns:dgm="http://schemas.openxmlformats.org/drawingml/2006/diagram" xmlns:dsp="http://schemas.microsoft.com/office/drawing/2008/diagram" xmlns:a="http://schemas.openxmlformats.org/drawingml/2006/main" xmlns:pic="http://schemas.openxmlformats.org/drawingml/2006/picture" xmlns:wp="http://schemas.openxmlformats.org/drawingml/2006/wordprocessingDrawing" xmlns:xdr="http://schemas.openxmlformats.org/drawingml/2006/spreadsheetDrawing" name="Office 테마">
+<a:theme xmlns:a="http://schemas.openxmlformats.org/drawingml/2006/main" name="Office 테마">
   <a:themeElements>
     <a:clrScheme name="Office">
       <a:dk1>
         <a:sysClr val="windowText" lastClr="000000"/>
       </a:dk1>
       <a:lt1>
-        <a:sysClr val="window" lastClr="ffffff"/>
+        <a:sysClr val="window" lastClr="FFFFFF"/>
       </a:lt1>
       <a:dk2>
-        <a:srgbClr val="1f497d"/>
+        <a:srgbClr val="1F497D"/>
       </a:dk2>
       <a:lt2>
-        <a:srgbClr val="eeece1"/>
+        <a:srgbClr val="EEECE1"/>
       </a:lt2>
       <a:accent1>
-        <a:srgbClr val="4f81bd"/>
+        <a:srgbClr val="4F81BD"/>
       </a:accent1>
       <a:accent2>
-        <a:srgbClr val="c0504d"/>
+        <a:srgbClr val="C0504D"/>
       </a:accent2>
       <a:accent3>
-        <a:srgbClr val="9bbb59"/>
+        <a:srgbClr val="9BBB59"/>
       </a:accent3>
       <a:accent4>
-        <a:srgbClr val="8064a2"/>
+        <a:srgbClr val="8064A2"/>
       </a:accent4>
       <a:accent5>
-        <a:srgbClr val="4bacc6"/>
+        <a:srgbClr val="4BACC6"/>
       </a:accent5>
       <a:accent6>
-        <a:srgbClr val="f79646"/>
+        <a:srgbClr val="F79646"/>
       </a:accent6>
       <a:hlink>
-        <a:srgbClr val="0000ff"/>
+        <a:srgbClr val="0000FF"/>
       </a:hlink>
       <a:folHlink>
         <a:srgbClr val="800080"/>
@@ -5992,45 +5873,47 @@
       </a:bgFillStyleLst>
     </a:fmtScheme>
   </a:themeElements>
+  <a:objectDefaults/>
+  <a:extraClrSchemeLst/>
 </a:theme>
 </file>
 
 <file path=ppt/theme/theme2.xml><?xml version="1.0" encoding="utf-8"?>
-<a:theme xmlns:r="http://schemas.openxmlformats.org/officeDocument/2006/relationships" xmlns:c="http://schemas.openxmlformats.org/drawingml/2006/chart" xmlns:dgm="http://schemas.openxmlformats.org/drawingml/2006/diagram" xmlns:dsp="http://schemas.microsoft.com/office/drawing/2008/diagram" xmlns:a="http://schemas.openxmlformats.org/drawingml/2006/main" xmlns:pic="http://schemas.openxmlformats.org/drawingml/2006/picture" xmlns:wp="http://schemas.openxmlformats.org/drawingml/2006/wordprocessingDrawing" xmlns:xdr="http://schemas.openxmlformats.org/drawingml/2006/spreadsheetDrawing" name="Hancom Office">
+<a:theme xmlns:a="http://schemas.openxmlformats.org/drawingml/2006/main" name="Hancom Office">
   <a:themeElements>
     <a:clrScheme name="Hancom Office">
       <a:dk1>
         <a:sysClr val="windowText" lastClr="000000"/>
       </a:dk1>
       <a:lt1>
-        <a:sysClr val="window" lastClr="ffffff"/>
+        <a:sysClr val="window" lastClr="FFFFFF"/>
       </a:lt1>
       <a:dk2>
-        <a:srgbClr val="1c3d62"/>
+        <a:srgbClr val="1C3D62"/>
       </a:dk2>
       <a:lt2>
-        <a:srgbClr val="e3dcc1"/>
+        <a:srgbClr val="E3DCC1"/>
       </a:lt2>
       <a:accent1>
-        <a:srgbClr val="315f97"/>
+        <a:srgbClr val="315F97"/>
       </a:accent1>
       <a:accent2>
-        <a:srgbClr val="c75252"/>
+        <a:srgbClr val="C75252"/>
       </a:accent2>
       <a:accent3>
-        <a:srgbClr val="e9ae2b"/>
+        <a:srgbClr val="E9AE2B"/>
       </a:accent3>
       <a:accent4>
-        <a:srgbClr val="699b37"/>
+        <a:srgbClr val="699B37"/>
       </a:accent4>
       <a:accent5>
         <a:srgbClr val="358791"/>
       </a:accent5>
       <a:accent6>
-        <a:srgbClr val="ca56a7"/>
+        <a:srgbClr val="CA56A7"/>
       </a:accent6>
       <a:hlink>
-        <a:srgbClr val="0000ff"/>
+        <a:srgbClr val="0000FF"/>
       </a:hlink>
       <a:folHlink>
         <a:srgbClr val="800080"/>
@@ -6199,5 +6082,7 @@
       </a:bgFillStyleLst>
     </a:fmtScheme>
   </a:themeElements>
+  <a:objectDefaults/>
+  <a:extraClrSchemeLst/>
 </a:theme>
 </file>
--- a/김우철/2차프로젝트_기능구상.pptx
+++ b/김우철/2차프로젝트_기능구상.pptx
@@ -215,7 +215,7 @@
             <a:fld id="{E2B2BC9D-A816-4D0A-858B-1D023B3A8ACA}" type="datetimeFigureOut">
               <a:rPr lang="ko-KR" altLang="en-US"/>
               <a:pPr/>
-              <a:t>2020-05-01</a:t>
+              <a:t>2020-05-02</a:t>
             </a:fld>
             <a:endParaRPr lang="ko-KR" altLang="en-US"/>
           </a:p>
@@ -753,7 +753,7 @@
           <a:p>
             <a:fld id="{FB30EDBD-1C2D-4C1E-B459-B60219FAB484}" type="datetimeFigureOut">
               <a:rPr lang="ko-KR" altLang="en-US" smtClean="0"/>
-              <a:t>2020-05-01</a:t>
+              <a:t>2020-05-02</a:t>
             </a:fld>
             <a:endParaRPr lang="ko-KR" altLang="en-US"/>
           </a:p>
@@ -918,7 +918,7 @@
           <a:p>
             <a:fld id="{FB30EDBD-1C2D-4C1E-B459-B60219FAB484}" type="datetimeFigureOut">
               <a:rPr lang="ko-KR" altLang="en-US" smtClean="0"/>
-              <a:t>2020-05-01</a:t>
+              <a:t>2020-05-02</a:t>
             </a:fld>
             <a:endParaRPr lang="ko-KR" altLang="en-US"/>
           </a:p>
@@ -1093,7 +1093,7 @@
           <a:p>
             <a:fld id="{FB30EDBD-1C2D-4C1E-B459-B60219FAB484}" type="datetimeFigureOut">
               <a:rPr lang="ko-KR" altLang="en-US" smtClean="0"/>
-              <a:t>2020-05-01</a:t>
+              <a:t>2020-05-02</a:t>
             </a:fld>
             <a:endParaRPr lang="ko-KR" altLang="en-US"/>
           </a:p>
@@ -1572,7 +1572,7 @@
           <a:p>
             <a:fld id="{FB30EDBD-1C2D-4C1E-B459-B60219FAB484}" type="datetimeFigureOut">
               <a:rPr lang="ko-KR" altLang="en-US" smtClean="0"/>
-              <a:t>2020-05-01</a:t>
+              <a:t>2020-05-02</a:t>
             </a:fld>
             <a:endParaRPr lang="ko-KR" altLang="en-US"/>
           </a:p>
@@ -1813,7 +1813,7 @@
           <a:p>
             <a:fld id="{FB30EDBD-1C2D-4C1E-B459-B60219FAB484}" type="datetimeFigureOut">
               <a:rPr lang="ko-KR" altLang="en-US" smtClean="0"/>
-              <a:t>2020-05-01</a:t>
+              <a:t>2020-05-02</a:t>
             </a:fld>
             <a:endParaRPr lang="ko-KR" altLang="en-US"/>
           </a:p>
@@ -2096,7 +2096,7 @@
           <a:p>
             <a:fld id="{FB30EDBD-1C2D-4C1E-B459-B60219FAB484}" type="datetimeFigureOut">
               <a:rPr lang="ko-KR" altLang="en-US" smtClean="0"/>
-              <a:t>2020-05-01</a:t>
+              <a:t>2020-05-02</a:t>
             </a:fld>
             <a:endParaRPr lang="ko-KR" altLang="en-US"/>
           </a:p>
@@ -2513,7 +2513,7 @@
           <a:p>
             <a:fld id="{FB30EDBD-1C2D-4C1E-B459-B60219FAB484}" type="datetimeFigureOut">
               <a:rPr lang="ko-KR" altLang="en-US" smtClean="0"/>
-              <a:t>2020-05-01</a:t>
+              <a:t>2020-05-02</a:t>
             </a:fld>
             <a:endParaRPr lang="ko-KR" altLang="en-US"/>
           </a:p>
@@ -2626,7 +2626,7 @@
           <a:p>
             <a:fld id="{FB30EDBD-1C2D-4C1E-B459-B60219FAB484}" type="datetimeFigureOut">
               <a:rPr lang="ko-KR" altLang="en-US" smtClean="0"/>
-              <a:t>2020-05-01</a:t>
+              <a:t>2020-05-02</a:t>
             </a:fld>
             <a:endParaRPr lang="ko-KR" altLang="en-US"/>
           </a:p>
@@ -2716,7 +2716,7 @@
           <a:p>
             <a:fld id="{FB30EDBD-1C2D-4C1E-B459-B60219FAB484}" type="datetimeFigureOut">
               <a:rPr lang="ko-KR" altLang="en-US" smtClean="0"/>
-              <a:t>2020-05-01</a:t>
+              <a:t>2020-05-02</a:t>
             </a:fld>
             <a:endParaRPr lang="ko-KR" altLang="en-US"/>
           </a:p>
@@ -2988,7 +2988,7 @@
           <a:p>
             <a:fld id="{FB30EDBD-1C2D-4C1E-B459-B60219FAB484}" type="datetimeFigureOut">
               <a:rPr lang="ko-KR" altLang="en-US" smtClean="0"/>
-              <a:t>2020-05-01</a:t>
+              <a:t>2020-05-02</a:t>
             </a:fld>
             <a:endParaRPr lang="ko-KR" altLang="en-US"/>
           </a:p>
@@ -3236,7 +3236,7 @@
           <a:p>
             <a:fld id="{FB30EDBD-1C2D-4C1E-B459-B60219FAB484}" type="datetimeFigureOut">
               <a:rPr lang="ko-KR" altLang="en-US" smtClean="0"/>
-              <a:t>2020-05-01</a:t>
+              <a:t>2020-05-02</a:t>
             </a:fld>
             <a:endParaRPr lang="ko-KR" altLang="en-US"/>
           </a:p>
@@ -3444,7 +3444,7 @@
             <a:fld id="{FB30EDBD-1C2D-4C1E-B459-B60219FAB484}" type="datetimeFigureOut">
               <a:rPr lang="ko-KR" altLang="en-US"/>
               <a:pPr/>
-              <a:t>2020-05-01</a:t>
+              <a:t>2020-05-02</a:t>
             </a:fld>
             <a:endParaRPr lang="ko-KR" altLang="en-US"/>
           </a:p>
@@ -4558,7 +4558,7 @@
         <p:spPr>
           <a:xfrm>
             <a:off x="2520280" y="986433"/>
-            <a:ext cx="2627784" cy="907137"/>
+            <a:ext cx="2627784" cy="1754326"/>
           </a:xfrm>
           <a:prstGeom prst="rect">
             <a:avLst/>
@@ -4571,21 +4571,61 @@
           <a:lstStyle/>
           <a:p>
             <a:r>
-              <a:rPr lang="ko-KR" altLang="en-US"/>
-              <a:t>주문지역 통계순위</a:t>
-            </a:r>
-          </a:p>
-          <a:p>
-            <a:r>
-              <a:rPr lang="ko-KR" altLang="en-US"/>
-              <a:t>버거매출 통계순위</a:t>
-            </a:r>
-          </a:p>
-          <a:p>
-            <a:r>
-              <a:rPr lang="ko-KR" altLang="en-US"/>
-              <a:t>월별 실적(막대그래프)</a:t>
-            </a:r>
+              <a:rPr lang="ko-KR" altLang="en-US" dirty="0" err="1"/>
+              <a:t>주문지역</a:t>
+            </a:r>
+            <a:r>
+              <a:rPr lang="ko-KR" altLang="en-US" dirty="0"/>
+              <a:t> </a:t>
+            </a:r>
+            <a:r>
+              <a:rPr lang="ko-KR" altLang="en-US" dirty="0" err="1"/>
+              <a:t>통계순위</a:t>
+            </a:r>
+            <a:endParaRPr lang="ko-KR" altLang="en-US" dirty="0"/>
+          </a:p>
+          <a:p>
+            <a:r>
+              <a:rPr lang="ko-KR" altLang="en-US" dirty="0" err="1"/>
+              <a:t>버거매출</a:t>
+            </a:r>
+            <a:r>
+              <a:rPr lang="ko-KR" altLang="en-US" dirty="0"/>
+              <a:t> </a:t>
+            </a:r>
+            <a:r>
+              <a:rPr lang="ko-KR" altLang="en-US" dirty="0" err="1"/>
+              <a:t>통계순위</a:t>
+            </a:r>
+            <a:endParaRPr lang="ko-KR" altLang="en-US" dirty="0"/>
+          </a:p>
+          <a:p>
+            <a:r>
+              <a:rPr lang="ko-KR" altLang="en-US" dirty="0"/>
+              <a:t>월별 실적(막대그래프</a:t>
+            </a:r>
+            <a:r>
+              <a:rPr lang="ko-KR" altLang="en-US" dirty="0" smtClean="0"/>
+              <a:t>)</a:t>
+            </a:r>
+            <a:endParaRPr lang="en-US" altLang="ko-KR" dirty="0" smtClean="0"/>
+          </a:p>
+          <a:p>
+            <a:r>
+              <a:rPr lang="ko-KR" altLang="en-US" dirty="0" err="1" smtClean="0"/>
+              <a:t>매장별</a:t>
+            </a:r>
+            <a:r>
+              <a:rPr lang="ko-KR" altLang="en-US" dirty="0" smtClean="0"/>
+              <a:t> 재고관리</a:t>
+            </a:r>
+            <a:endParaRPr lang="en-US" altLang="ko-KR" dirty="0"/>
+          </a:p>
+          <a:p>
+            <a:endParaRPr lang="en-US" altLang="ko-KR" dirty="0" smtClean="0"/>
+          </a:p>
+          <a:p>
+            <a:endParaRPr lang="ko-KR" altLang="en-US" dirty="0"/>
           </a:p>
         </p:txBody>
       </p:sp>
